--- a/HW7/HW7_pingpong_connect.pptx
+++ b/HW7/HW7_pingpong_connect.pptx
@@ -232,7 +232,7 @@
               <a:rPr lang="zh-TW" altLang="en-US" smtClean="0">
                 <a:ea typeface="標楷體" panose="03000509000000000000" pitchFamily="65" charset="-120"/>
               </a:rPr>
-              <a:t>2025/1/6</a:t>
+              <a:t>2025/1/8</a:t>
             </a:fld>
             <a:endParaRPr lang="zh-TW" altLang="en-US">
               <a:ea typeface="標楷體" panose="03000509000000000000" pitchFamily="65" charset="-120"/>
@@ -410,7 +410,7 @@
             <a:fld id="{2CB905C5-9D54-40E2-B40C-7996280CAB02}" type="datetimeFigureOut">
               <a:rPr lang="zh-TW" altLang="en-US" smtClean="0"/>
               <a:pPr/>
-              <a:t>2025/1/6</a:t>
+              <a:t>2025/1/8</a:t>
             </a:fld>
             <a:endParaRPr lang="zh-TW" altLang="en-US"/>
           </a:p>
@@ -816,7 +816,7 @@
           <a:p>
             <a:fld id="{0C0CC965-A63A-473D-BEFB-C8F9714D5269}" type="datetimeFigureOut">
               <a:rPr lang="zh-TW" altLang="en-US" smtClean="0"/>
-              <a:t>2025/1/6</a:t>
+              <a:t>2025/1/8</a:t>
             </a:fld>
             <a:endParaRPr lang="zh-TW" altLang="en-US"/>
           </a:p>
@@ -984,7 +984,7 @@
           <a:p>
             <a:fld id="{0C0CC965-A63A-473D-BEFB-C8F9714D5269}" type="datetimeFigureOut">
               <a:rPr lang="zh-TW" altLang="en-US" smtClean="0"/>
-              <a:t>2025/1/6</a:t>
+              <a:t>2025/1/8</a:t>
             </a:fld>
             <a:endParaRPr lang="zh-TW" altLang="en-US"/>
           </a:p>
@@ -1162,7 +1162,7 @@
           <a:p>
             <a:fld id="{0C0CC965-A63A-473D-BEFB-C8F9714D5269}" type="datetimeFigureOut">
               <a:rPr lang="zh-TW" altLang="en-US" smtClean="0"/>
-              <a:t>2025/1/6</a:t>
+              <a:t>2025/1/8</a:t>
             </a:fld>
             <a:endParaRPr lang="zh-TW" altLang="en-US"/>
           </a:p>
@@ -1357,7 +1357,7 @@
           <a:p>
             <a:fld id="{0C0CC965-A63A-473D-BEFB-C8F9714D5269}" type="datetimeFigureOut">
               <a:rPr lang="zh-TW" altLang="en-US" smtClean="0"/>
-              <a:t>2025/1/6</a:t>
+              <a:t>2025/1/8</a:t>
             </a:fld>
             <a:endParaRPr lang="zh-TW" altLang="en-US"/>
           </a:p>
@@ -1602,7 +1602,7 @@
           <a:p>
             <a:fld id="{0C0CC965-A63A-473D-BEFB-C8F9714D5269}" type="datetimeFigureOut">
               <a:rPr lang="zh-TW" altLang="en-US" smtClean="0"/>
-              <a:t>2025/1/6</a:t>
+              <a:t>2025/1/8</a:t>
             </a:fld>
             <a:endParaRPr lang="zh-TW" altLang="en-US"/>
           </a:p>
@@ -1831,7 +1831,7 @@
           <a:p>
             <a:fld id="{0C0CC965-A63A-473D-BEFB-C8F9714D5269}" type="datetimeFigureOut">
               <a:rPr lang="zh-TW" altLang="en-US" smtClean="0"/>
-              <a:t>2025/1/6</a:t>
+              <a:t>2025/1/8</a:t>
             </a:fld>
             <a:endParaRPr lang="zh-TW" altLang="en-US"/>
           </a:p>
@@ -2195,7 +2195,7 @@
           <a:p>
             <a:fld id="{0C0CC965-A63A-473D-BEFB-C8F9714D5269}" type="datetimeFigureOut">
               <a:rPr lang="zh-TW" altLang="en-US" smtClean="0"/>
-              <a:t>2025/1/6</a:t>
+              <a:t>2025/1/8</a:t>
             </a:fld>
             <a:endParaRPr lang="zh-TW" altLang="en-US"/>
           </a:p>
@@ -2312,7 +2312,7 @@
           <a:p>
             <a:fld id="{0C0CC965-A63A-473D-BEFB-C8F9714D5269}" type="datetimeFigureOut">
               <a:rPr lang="zh-TW" altLang="en-US" smtClean="0"/>
-              <a:t>2025/1/6</a:t>
+              <a:t>2025/1/8</a:t>
             </a:fld>
             <a:endParaRPr lang="zh-TW" altLang="en-US"/>
           </a:p>
@@ -2407,7 +2407,7 @@
           <a:p>
             <a:fld id="{0C0CC965-A63A-473D-BEFB-C8F9714D5269}" type="datetimeFigureOut">
               <a:rPr lang="zh-TW" altLang="en-US" smtClean="0"/>
-              <a:t>2025/1/6</a:t>
+              <a:t>2025/1/8</a:t>
             </a:fld>
             <a:endParaRPr lang="zh-TW" altLang="en-US"/>
           </a:p>
@@ -2682,7 +2682,7 @@
           <a:p>
             <a:fld id="{0C0CC965-A63A-473D-BEFB-C8F9714D5269}" type="datetimeFigureOut">
               <a:rPr lang="zh-TW" altLang="en-US" smtClean="0"/>
-              <a:t>2025/1/6</a:t>
+              <a:t>2025/1/8</a:t>
             </a:fld>
             <a:endParaRPr lang="zh-TW" altLang="en-US"/>
           </a:p>
@@ -2934,7 +2934,7 @@
           <a:p>
             <a:fld id="{0C0CC965-A63A-473D-BEFB-C8F9714D5269}" type="datetimeFigureOut">
               <a:rPr lang="zh-TW" altLang="en-US" smtClean="0"/>
-              <a:t>2025/1/6</a:t>
+              <a:t>2025/1/8</a:t>
             </a:fld>
             <a:endParaRPr lang="zh-TW" altLang="en-US"/>
           </a:p>
@@ -3148,7 +3148,7 @@
             <a:fld id="{0C0CC965-A63A-473D-BEFB-C8F9714D5269}" type="datetimeFigureOut">
               <a:rPr lang="zh-TW" altLang="en-US" smtClean="0"/>
               <a:pPr/>
-              <a:t>2025/1/6</a:t>
+              <a:t>2025/1/8</a:t>
             </a:fld>
             <a:endParaRPr lang="zh-TW" altLang="en-US"/>
           </a:p>
@@ -3689,8 +3689,27 @@
                 <a:ea typeface="+mn-ea"/>
                 <a:cs typeface="+mn-cs"/>
               </a:rPr>
-              <a:t>HW7</a:t>
-            </a:r>
+              <a:t>HW7-</a:t>
+            </a:r>
+            <a:r>
+              <a:rPr lang="zh-TW" altLang="en-US" sz="4000" dirty="0">
+                <a:solidFill>
+                  <a:srgbClr val="000000"/>
+                </a:solidFill>
+                <a:latin typeface="-apple-system"/>
+                <a:ea typeface="+mn-ea"/>
+                <a:cs typeface="+mn-cs"/>
+              </a:rPr>
+              <a:t>乒乓對打</a:t>
+            </a:r>
+            <a:endParaRPr lang="en-US" altLang="zh-TW" sz="4000" dirty="0">
+              <a:solidFill>
+                <a:srgbClr val="000000"/>
+              </a:solidFill>
+              <a:latin typeface="-apple-system"/>
+              <a:ea typeface="+mn-ea"/>
+              <a:cs typeface="+mn-cs"/>
+            </a:endParaRPr>
           </a:p>
         </p:txBody>
       </p:sp>
@@ -3897,8 +3916,27 @@
                 <a:ea typeface="+mn-ea"/>
                 <a:cs typeface="+mn-cs"/>
               </a:rPr>
-              <a:t>HW7</a:t>
-            </a:r>
+              <a:t>HW7-</a:t>
+            </a:r>
+            <a:r>
+              <a:rPr lang="zh-TW" altLang="en-US" sz="4000" dirty="0">
+                <a:solidFill>
+                  <a:srgbClr val="000000"/>
+                </a:solidFill>
+                <a:latin typeface="-apple-system"/>
+                <a:ea typeface="+mn-ea"/>
+                <a:cs typeface="+mn-cs"/>
+              </a:rPr>
+              <a:t>乒乓對打</a:t>
+            </a:r>
+            <a:endParaRPr lang="en-US" altLang="zh-TW" sz="4000" dirty="0">
+              <a:solidFill>
+                <a:srgbClr val="000000"/>
+              </a:solidFill>
+              <a:latin typeface="-apple-system"/>
+              <a:ea typeface="+mn-ea"/>
+              <a:cs typeface="+mn-cs"/>
+            </a:endParaRPr>
           </a:p>
         </p:txBody>
       </p:sp>
@@ -4148,8 +4186,27 @@
                 <a:ea typeface="+mn-ea"/>
                 <a:cs typeface="+mn-cs"/>
               </a:rPr>
-              <a:t>HW7</a:t>
-            </a:r>
+              <a:t>HW7-</a:t>
+            </a:r>
+            <a:r>
+              <a:rPr lang="zh-TW" altLang="en-US" sz="4000" dirty="0">
+                <a:solidFill>
+                  <a:srgbClr val="000000"/>
+                </a:solidFill>
+                <a:latin typeface="-apple-system"/>
+                <a:ea typeface="+mn-ea"/>
+                <a:cs typeface="+mn-cs"/>
+              </a:rPr>
+              <a:t>乒乓對打</a:t>
+            </a:r>
+            <a:endParaRPr lang="en-US" altLang="zh-TW" sz="4000" dirty="0">
+              <a:solidFill>
+                <a:srgbClr val="000000"/>
+              </a:solidFill>
+              <a:latin typeface="-apple-system"/>
+              <a:ea typeface="+mn-ea"/>
+              <a:cs typeface="+mn-cs"/>
+            </a:endParaRPr>
           </a:p>
         </p:txBody>
       </p:sp>
@@ -4492,8 +4549,27 @@
                 <a:ea typeface="+mn-ea"/>
                 <a:cs typeface="+mn-cs"/>
               </a:rPr>
-              <a:t>HW7</a:t>
-            </a:r>
+              <a:t>HW7-</a:t>
+            </a:r>
+            <a:r>
+              <a:rPr lang="zh-TW" altLang="en-US" sz="4000" dirty="0">
+                <a:solidFill>
+                  <a:srgbClr val="000000"/>
+                </a:solidFill>
+                <a:latin typeface="-apple-system"/>
+                <a:ea typeface="+mn-ea"/>
+                <a:cs typeface="+mn-cs"/>
+              </a:rPr>
+              <a:t>乒乓對打</a:t>
+            </a:r>
+            <a:endParaRPr lang="en-US" altLang="zh-TW" sz="4000" dirty="0">
+              <a:solidFill>
+                <a:srgbClr val="000000"/>
+              </a:solidFill>
+              <a:latin typeface="-apple-system"/>
+              <a:ea typeface="+mn-ea"/>
+              <a:cs typeface="+mn-cs"/>
+            </a:endParaRPr>
           </a:p>
         </p:txBody>
       </p:sp>
@@ -4783,8 +4859,27 @@
                 <a:ea typeface="+mn-ea"/>
                 <a:cs typeface="+mn-cs"/>
               </a:rPr>
-              <a:t>HW7</a:t>
-            </a:r>
+              <a:t>HW7-</a:t>
+            </a:r>
+            <a:r>
+              <a:rPr lang="zh-TW" altLang="en-US" sz="4000" dirty="0">
+                <a:solidFill>
+                  <a:srgbClr val="000000"/>
+                </a:solidFill>
+                <a:latin typeface="-apple-system"/>
+                <a:ea typeface="+mn-ea"/>
+                <a:cs typeface="+mn-cs"/>
+              </a:rPr>
+              <a:t>乒乓對打</a:t>
+            </a:r>
+            <a:endParaRPr lang="en-US" altLang="zh-TW" sz="4000" dirty="0">
+              <a:solidFill>
+                <a:srgbClr val="000000"/>
+              </a:solidFill>
+              <a:latin typeface="-apple-system"/>
+              <a:ea typeface="+mn-ea"/>
+              <a:cs typeface="+mn-cs"/>
+            </a:endParaRPr>
           </a:p>
         </p:txBody>
       </p:sp>
@@ -5300,7 +5395,7 @@
           <a:lstStyle/>
           <a:p>
             <a:r>
-              <a:rPr lang="en-US" altLang="zh-TW" sz="4000">
+              <a:rPr lang="en-US" altLang="zh-TW" sz="4000" dirty="0">
                 <a:solidFill>
                   <a:srgbClr val="000000"/>
                 </a:solidFill>
@@ -5308,7 +5403,18 @@
                 <a:ea typeface="+mn-ea"/>
                 <a:cs typeface="+mn-cs"/>
               </a:rPr>
-              <a:t>HW7</a:t>
+              <a:t>HW7-</a:t>
+            </a:r>
+            <a:r>
+              <a:rPr lang="zh-TW" altLang="en-US" sz="4000">
+                <a:solidFill>
+                  <a:srgbClr val="000000"/>
+                </a:solidFill>
+                <a:latin typeface="-apple-system"/>
+                <a:ea typeface="+mn-ea"/>
+                <a:cs typeface="+mn-cs"/>
+              </a:rPr>
+              <a:t>乒乓對打</a:t>
             </a:r>
             <a:endParaRPr lang="en-US" altLang="zh-TW" sz="4000" dirty="0">
               <a:solidFill>

--- a/HW7/HW7_pingpong_connect.pptx
+++ b/HW7/HW7_pingpong_connect.pptx
@@ -13,8 +13,8 @@
   <p:sldIdLst>
     <p:sldId id="1495" r:id="rId2"/>
     <p:sldId id="1497" r:id="rId3"/>
-    <p:sldId id="1493" r:id="rId4"/>
-    <p:sldId id="1494" r:id="rId5"/>
+    <p:sldId id="1498" r:id="rId4"/>
+    <p:sldId id="1493" r:id="rId5"/>
     <p:sldId id="1486" r:id="rId6"/>
     <p:sldId id="1496" r:id="rId7"/>
   </p:sldIdLst>
@@ -4210,54 +4210,6 @@
           </a:p>
         </p:txBody>
       </p:sp>
-      <p:sp>
-        <p:nvSpPr>
-          <p:cNvPr id="17" name="文字方塊 16">
-            <a:extLst>
-              <a:ext uri="{FF2B5EF4-FFF2-40B4-BE49-F238E27FC236}">
-                <a16:creationId xmlns:a16="http://schemas.microsoft.com/office/drawing/2014/main" id="{A3F708B7-CAF6-4D9F-7CB6-FC671B20F59A}"/>
-              </a:ext>
-            </a:extLst>
-          </p:cNvPr>
-          <p:cNvSpPr txBox="1"/>
-          <p:nvPr/>
-        </p:nvSpPr>
-        <p:spPr>
-          <a:xfrm>
-            <a:off x="5527393" y="1975835"/>
-            <a:ext cx="1037595" cy="307777"/>
-          </a:xfrm>
-          <a:prstGeom prst="rect">
-            <a:avLst/>
-          </a:prstGeom>
-          <a:noFill/>
-        </p:spPr>
-        <p:txBody>
-          <a:bodyPr wrap="square">
-            <a:spAutoFit/>
-          </a:bodyPr>
-          <a:lstStyle/>
-          <a:p>
-            <a:pPr algn="l"/>
-            <a:r>
-              <a:rPr lang="zh-TW" altLang="en-US" sz="1400" dirty="0">
-                <a:solidFill>
-                  <a:schemeClr val="bg1"/>
-                </a:solidFill>
-                <a:latin typeface="-apple-system"/>
-              </a:rPr>
-              <a:t>發球</a:t>
-            </a:r>
-            <a:endParaRPr lang="zh-TW" altLang="en-US" sz="1400" b="0" i="0" dirty="0">
-              <a:solidFill>
-                <a:schemeClr val="bg1"/>
-              </a:solidFill>
-              <a:effectLst/>
-              <a:latin typeface="-apple-system"/>
-            </a:endParaRPr>
-          </a:p>
-        </p:txBody>
-      </p:sp>
       <p:pic>
         <p:nvPicPr>
           <p:cNvPr id="4" name="圖片 3">
@@ -4370,10 +4322,10 @@
       </p:sp>
       <p:sp>
         <p:nvSpPr>
-          <p:cNvPr id="10" name="文字方塊 9">
+          <p:cNvPr id="8" name="文字方塊 7">
             <a:extLst>
               <a:ext uri="{FF2B5EF4-FFF2-40B4-BE49-F238E27FC236}">
-                <a16:creationId xmlns:a16="http://schemas.microsoft.com/office/drawing/2014/main" id="{DE1853EE-ABA7-9449-C598-644244C0BFA7}"/>
+                <a16:creationId xmlns:a16="http://schemas.microsoft.com/office/drawing/2014/main" id="{C9F9F81C-5F0C-4F5C-A48C-41B698120D4E}"/>
               </a:ext>
             </a:extLst>
           </p:cNvPr>
@@ -4382,8 +4334,8 @@
         </p:nvSpPr>
         <p:spPr>
           <a:xfrm>
-            <a:off x="5975928" y="1299668"/>
-            <a:ext cx="3280130" cy="369332"/>
+            <a:off x="6095999" y="1832506"/>
+            <a:ext cx="4220163" cy="1594732"/>
           </a:xfrm>
           <a:prstGeom prst="rect">
             <a:avLst/>
@@ -4396,7 +4348,11 @@
           </a:bodyPr>
           <a:lstStyle/>
           <a:p>
-            <a:pPr algn="l"/>
+            <a:pPr algn="just">
+              <a:lnSpc>
+                <a:spcPts val="3000"/>
+              </a:lnSpc>
+            </a:pPr>
             <a:r>
               <a:rPr lang="zh-TW" altLang="en-US" dirty="0">
                 <a:solidFill>
@@ -4404,7 +4360,7 @@
                 </a:solidFill>
                 <a:latin typeface="-apple-system"/>
               </a:rPr>
-              <a:t>乒乓位移</a:t>
+              <a:t>初始狀態為</a:t>
             </a:r>
             <a:r>
               <a:rPr lang="en-US" altLang="zh-TW" dirty="0">
@@ -4413,6 +4369,150 @@
                 </a:solidFill>
                 <a:latin typeface="-apple-system"/>
               </a:rPr>
+              <a:t>Idle</a:t>
+            </a:r>
+            <a:r>
+              <a:rPr lang="zh-TW" altLang="en-US" dirty="0">
+                <a:solidFill>
+                  <a:srgbClr val="000000"/>
+                </a:solidFill>
+                <a:latin typeface="-apple-system"/>
+              </a:rPr>
+              <a:t>，其中一方按下按鈕後進入</a:t>
+            </a:r>
+            <a:r>
+              <a:rPr lang="en-US" altLang="zh-TW" dirty="0" err="1">
+                <a:solidFill>
+                  <a:srgbClr val="000000"/>
+                </a:solidFill>
+                <a:latin typeface="-apple-system"/>
+              </a:rPr>
+              <a:t>moveL</a:t>
+            </a:r>
+            <a:r>
+              <a:rPr lang="zh-TW" altLang="en-US" dirty="0">
+                <a:solidFill>
+                  <a:srgbClr val="000000"/>
+                </a:solidFill>
+                <a:latin typeface="-apple-system"/>
+              </a:rPr>
+              <a:t>狀態，</a:t>
+            </a:r>
+            <a:r>
+              <a:rPr lang="en-US" altLang="zh-TW" dirty="0">
+                <a:solidFill>
+                  <a:srgbClr val="000000"/>
+                </a:solidFill>
+                <a:latin typeface="-apple-system"/>
+              </a:rPr>
+              <a:t>LED</a:t>
+            </a:r>
+            <a:r>
+              <a:rPr lang="zh-TW" altLang="en-US" dirty="0">
+                <a:solidFill>
+                  <a:srgbClr val="000000"/>
+                </a:solidFill>
+                <a:latin typeface="-apple-system"/>
+              </a:rPr>
+              <a:t>開始位移，且</a:t>
+            </a:r>
+            <a:r>
+              <a:rPr lang="en-US" altLang="zh-TW" dirty="0">
+                <a:solidFill>
+                  <a:srgbClr val="000000"/>
+                </a:solidFill>
+                <a:latin typeface="-apple-system"/>
+              </a:rPr>
+              <a:t>IO</a:t>
+            </a:r>
+            <a:r>
+              <a:rPr lang="zh-TW" altLang="en-US" dirty="0">
+                <a:solidFill>
+                  <a:srgbClr val="000000"/>
+                </a:solidFill>
+                <a:latin typeface="-apple-system"/>
+              </a:rPr>
+              <a:t>腳位開始給予信號，當</a:t>
+            </a:r>
+            <a:r>
+              <a:rPr lang="en-US" altLang="zh-TW" dirty="0">
+                <a:solidFill>
+                  <a:srgbClr val="000000"/>
+                </a:solidFill>
+                <a:latin typeface="-apple-system"/>
+              </a:rPr>
+              <a:t>LED</a:t>
+            </a:r>
+            <a:r>
+              <a:rPr lang="zh-TW" altLang="en-US" dirty="0">
+                <a:solidFill>
+                  <a:srgbClr val="000000"/>
+                </a:solidFill>
+                <a:latin typeface="-apple-system"/>
+              </a:rPr>
+              <a:t>位移到</a:t>
+            </a:r>
+            <a:r>
+              <a:rPr lang="en-US" altLang="zh-TW" dirty="0">
+                <a:solidFill>
+                  <a:srgbClr val="000000"/>
+                </a:solidFill>
+                <a:latin typeface="-apple-system"/>
+              </a:rPr>
+              <a:t>“10000000”</a:t>
+            </a:r>
+            <a:r>
+              <a:rPr lang="zh-TW" altLang="en-US" dirty="0">
+                <a:solidFill>
+                  <a:srgbClr val="000000"/>
+                </a:solidFill>
+                <a:latin typeface="-apple-system"/>
+              </a:rPr>
+              <a:t>時，</a:t>
+            </a:r>
+            <a:r>
+              <a:rPr lang="en-US" altLang="zh-TW" dirty="0">
+                <a:solidFill>
+                  <a:srgbClr val="000000"/>
+                </a:solidFill>
+                <a:latin typeface="-apple-system"/>
+              </a:rPr>
+              <a:t>IO</a:t>
+            </a:r>
+            <a:r>
+              <a:rPr lang="zh-TW" altLang="en-US" dirty="0">
+                <a:solidFill>
+                  <a:srgbClr val="000000"/>
+                </a:solidFill>
+                <a:latin typeface="-apple-system"/>
+              </a:rPr>
+              <a:t>為</a:t>
+            </a:r>
+            <a:r>
+              <a:rPr lang="en-US" altLang="zh-TW" dirty="0">
+                <a:solidFill>
+                  <a:srgbClr val="000000"/>
+                </a:solidFill>
+                <a:latin typeface="-apple-system"/>
+              </a:rPr>
+              <a:t>”0”</a:t>
+            </a:r>
+            <a:r>
+              <a:rPr lang="zh-TW" altLang="en-US" dirty="0">
+                <a:solidFill>
+                  <a:srgbClr val="000000"/>
+                </a:solidFill>
+                <a:latin typeface="-apple-system"/>
+              </a:rPr>
+              <a:t>。</a:t>
+            </a:r>
+            <a:r>
+              <a:rPr lang="en-US" altLang="zh-TW" dirty="0">
+                <a:solidFill>
+                  <a:srgbClr val="000000"/>
+                </a:solidFill>
+                <a:latin typeface="-apple-system"/>
+              </a:rPr>
               <a:t>(</a:t>
             </a:r>
             <a:r>
@@ -4422,7 +4522,7 @@
                 </a:solidFill>
                 <a:latin typeface="-apple-system"/>
               </a:rPr>
-              <a:t>除頻</a:t>
+              <a:t>下一頁</a:t>
             </a:r>
             <a:r>
               <a:rPr lang="en-US" altLang="zh-TW" dirty="0">
@@ -4431,16 +4531,7 @@
                 </a:solidFill>
                 <a:latin typeface="-apple-system"/>
               </a:rPr>
-              <a:t>CLK)</a:t>
-            </a:r>
-            <a:r>
-              <a:rPr lang="zh-TW" altLang="en-US" dirty="0">
-                <a:solidFill>
-                  <a:srgbClr val="000000"/>
-                </a:solidFill>
-                <a:latin typeface="-apple-system"/>
-              </a:rPr>
-              <a:t>：</a:t>
+              <a:t>)</a:t>
             </a:r>
             <a:endParaRPr lang="zh-TW" altLang="en-US" b="0" i="0" dirty="0">
               <a:solidFill>
@@ -4454,10 +4545,10 @@
       </p:sp>
       <p:pic>
         <p:nvPicPr>
-          <p:cNvPr id="5" name="圖片 4">
+          <p:cNvPr id="13" name="圖片 12">
             <a:extLst>
               <a:ext uri="{FF2B5EF4-FFF2-40B4-BE49-F238E27FC236}">
-                <a16:creationId xmlns:a16="http://schemas.microsoft.com/office/drawing/2014/main" id="{D571E589-A012-1090-F2DC-201A1953EA68}"/>
+                <a16:creationId xmlns:a16="http://schemas.microsoft.com/office/drawing/2014/main" id="{74DFC1BD-E199-4C13-A22F-4BF956D99F9B}"/>
               </a:ext>
             </a:extLst>
           </p:cNvPr>
@@ -4474,8 +4565,8 @@
         </p:blipFill>
         <p:spPr>
           <a:xfrm>
-            <a:off x="6096000" y="1828178"/>
-            <a:ext cx="4502044" cy="3893660"/>
+            <a:off x="6096000" y="3854677"/>
+            <a:ext cx="4220164" cy="1867161"/>
           </a:xfrm>
           <a:prstGeom prst="rect">
             <a:avLst/>
@@ -4490,7 +4581,7 @@
     </p:spTree>
     <p:extLst>
       <p:ext uri="{BB962C8B-B14F-4D97-AF65-F5344CB8AC3E}">
-        <p14:creationId xmlns:p14="http://schemas.microsoft.com/office/powerpoint/2010/main" val="3178300421"/>
+        <p14:creationId xmlns:p14="http://schemas.microsoft.com/office/powerpoint/2010/main" val="349232167"/>
       </p:ext>
     </p:extLst>
   </p:cSld>
@@ -4575,10 +4666,10 @@
       </p:sp>
       <p:sp>
         <p:nvSpPr>
-          <p:cNvPr id="17" name="文字方塊 16">
+          <p:cNvPr id="10" name="文字方塊 9">
             <a:extLst>
               <a:ext uri="{FF2B5EF4-FFF2-40B4-BE49-F238E27FC236}">
-                <a16:creationId xmlns:a16="http://schemas.microsoft.com/office/drawing/2014/main" id="{A3F708B7-CAF6-4D9F-7CB6-FC671B20F59A}"/>
+                <a16:creationId xmlns:a16="http://schemas.microsoft.com/office/drawing/2014/main" id="{DE1853EE-ABA7-9449-C598-644244C0BFA7}"/>
               </a:ext>
             </a:extLst>
           </p:cNvPr>
@@ -4587,8 +4678,8 @@
         </p:nvSpPr>
         <p:spPr>
           <a:xfrm>
-            <a:off x="5527393" y="1975835"/>
-            <a:ext cx="1037595" cy="307777"/>
+            <a:off x="1085146" y="1303996"/>
+            <a:ext cx="3280130" cy="369332"/>
           </a:xfrm>
           <a:prstGeom prst="rect">
             <a:avLst/>
@@ -4603,61 +4694,49 @@
           <a:p>
             <a:pPr algn="l"/>
             <a:r>
-              <a:rPr lang="zh-TW" altLang="en-US" sz="1400" dirty="0">
-                <a:solidFill>
-                  <a:schemeClr val="bg1"/>
-                </a:solidFill>
-                <a:latin typeface="-apple-system"/>
-              </a:rPr>
-              <a:t>發球</a:t>
-            </a:r>
-            <a:endParaRPr lang="zh-TW" altLang="en-US" sz="1400" b="0" i="0" dirty="0">
-              <a:solidFill>
-                <a:schemeClr val="bg1"/>
-              </a:solidFill>
-              <a:effectLst/>
-              <a:latin typeface="-apple-system"/>
-            </a:endParaRPr>
-          </a:p>
-        </p:txBody>
-      </p:sp>
-      <p:sp>
-        <p:nvSpPr>
-          <p:cNvPr id="9" name="文字方塊 8">
-            <a:extLst>
-              <a:ext uri="{FF2B5EF4-FFF2-40B4-BE49-F238E27FC236}">
-                <a16:creationId xmlns:a16="http://schemas.microsoft.com/office/drawing/2014/main" id="{868D8E1E-01AD-DBCA-B342-F97DAB7366AC}"/>
-              </a:ext>
-            </a:extLst>
-          </p:cNvPr>
-          <p:cNvSpPr txBox="1"/>
-          <p:nvPr/>
-        </p:nvSpPr>
-        <p:spPr>
-          <a:xfrm>
-            <a:off x="5623734" y="2182995"/>
-            <a:ext cx="941254" cy="369332"/>
-          </a:xfrm>
-          <a:prstGeom prst="rect">
-            <a:avLst/>
-          </a:prstGeom>
-          <a:noFill/>
-        </p:spPr>
-        <p:txBody>
-          <a:bodyPr wrap="square">
-            <a:spAutoFit/>
-          </a:bodyPr>
-          <a:lstStyle/>
-          <a:p>
-            <a:pPr algn="l"/>
-            <a:r>
-              <a:rPr lang="en-US" altLang="zh-TW" dirty="0" err="1">
+              <a:rPr lang="en-US" altLang="zh-TW" dirty="0">
                 <a:solidFill>
                   <a:srgbClr val="000000"/>
                 </a:solidFill>
                 <a:latin typeface="-apple-system"/>
               </a:rPr>
-              <a:t>Inout</a:t>
+              <a:t>LED</a:t>
+            </a:r>
+            <a:r>
+              <a:rPr lang="zh-TW" altLang="en-US" dirty="0">
+                <a:solidFill>
+                  <a:srgbClr val="000000"/>
+                </a:solidFill>
+                <a:latin typeface="-apple-system"/>
+              </a:rPr>
+              <a:t>位移</a:t>
+            </a:r>
+            <a:r>
+              <a:rPr lang="en-US" altLang="zh-TW" dirty="0">
+                <a:solidFill>
+                  <a:srgbClr val="000000"/>
+                </a:solidFill>
+                <a:latin typeface="-apple-system"/>
+              </a:rPr>
+              <a:t>(</a:t>
+            </a:r>
+            <a:r>
+              <a:rPr lang="zh-TW" altLang="en-US" dirty="0">
+                <a:solidFill>
+                  <a:srgbClr val="000000"/>
+                </a:solidFill>
+                <a:latin typeface="-apple-system"/>
+              </a:rPr>
+              <a:t>除頻</a:t>
+            </a:r>
+            <a:r>
+              <a:rPr lang="en-US" altLang="zh-TW" dirty="0">
+                <a:solidFill>
+                  <a:srgbClr val="000000"/>
+                </a:solidFill>
+                <a:latin typeface="-apple-system"/>
+              </a:rPr>
+              <a:t>CLK)</a:t>
             </a:r>
             <a:r>
               <a:rPr lang="zh-TW" altLang="en-US" dirty="0">
@@ -4683,7 +4762,7 @@
           <p:cNvPr id="5" name="圖片 4">
             <a:extLst>
               <a:ext uri="{FF2B5EF4-FFF2-40B4-BE49-F238E27FC236}">
-                <a16:creationId xmlns:a16="http://schemas.microsoft.com/office/drawing/2014/main" id="{E4146EEA-2096-1EC5-A394-CDC506C4643B}"/>
+                <a16:creationId xmlns:a16="http://schemas.microsoft.com/office/drawing/2014/main" id="{D571E589-A012-1090-F2DC-201A1953EA68}"/>
               </a:ext>
             </a:extLst>
           </p:cNvPr>
@@ -4700,8 +4779,8 @@
         </p:blipFill>
         <p:spPr>
           <a:xfrm>
-            <a:off x="3985917" y="2691839"/>
-            <a:ext cx="4220164" cy="1867161"/>
+            <a:off x="1205218" y="1832506"/>
+            <a:ext cx="4502044" cy="3893660"/>
           </a:xfrm>
           <a:prstGeom prst="rect">
             <a:avLst/>
@@ -4715,10 +4794,10 @@
       </p:pic>
       <p:sp>
         <p:nvSpPr>
-          <p:cNvPr id="2" name="文字方塊 1">
+          <p:cNvPr id="8" name="文字方塊 7">
             <a:extLst>
               <a:ext uri="{FF2B5EF4-FFF2-40B4-BE49-F238E27FC236}">
-                <a16:creationId xmlns:a16="http://schemas.microsoft.com/office/drawing/2014/main" id="{129E8FFE-34FA-0910-FEA0-D1AB283284AD}"/>
+                <a16:creationId xmlns:a16="http://schemas.microsoft.com/office/drawing/2014/main" id="{F2681985-BD08-4B72-93C6-EE52AF4578A9}"/>
               </a:ext>
             </a:extLst>
           </p:cNvPr>
@@ -4727,8 +4806,8 @@
         </p:nvSpPr>
         <p:spPr>
           <a:xfrm>
-            <a:off x="4484917" y="4782561"/>
-            <a:ext cx="3218888" cy="369332"/>
+            <a:off x="6095999" y="1832506"/>
+            <a:ext cx="4220163" cy="1210011"/>
           </a:xfrm>
           <a:prstGeom prst="rect">
             <a:avLst/>
@@ -4741,15 +4820,100 @@
           </a:bodyPr>
           <a:lstStyle/>
           <a:p>
-            <a:pPr algn="l"/>
-            <a:r>
-              <a:rPr lang="zh-TW" altLang="en-US" dirty="0">
+            <a:pPr algn="just">
+              <a:lnSpc>
+                <a:spcPts val="3000"/>
+              </a:lnSpc>
+            </a:pPr>
+            <a:r>
+              <a:rPr lang="zh-TW" altLang="en-US" b="0" i="0" dirty="0">
                 <a:solidFill>
                   <a:srgbClr val="000000"/>
                 </a:solidFill>
-                <a:latin typeface="-apple-system"/>
-              </a:rPr>
-              <a:t>由</a:t>
+                <a:effectLst/>
+                <a:latin typeface="-apple-system"/>
+              </a:rPr>
+              <a:t>初始狀態為</a:t>
+            </a:r>
+            <a:r>
+              <a:rPr lang="en-US" altLang="zh-TW" b="0" i="0" dirty="0">
+                <a:solidFill>
+                  <a:srgbClr val="000000"/>
+                </a:solidFill>
+                <a:effectLst/>
+                <a:latin typeface="-apple-system"/>
+              </a:rPr>
+              <a:t>Idle</a:t>
+            </a:r>
+            <a:r>
+              <a:rPr lang="zh-TW" altLang="en-US" b="0" i="0" dirty="0">
+                <a:solidFill>
+                  <a:srgbClr val="000000"/>
+                </a:solidFill>
+                <a:effectLst/>
+                <a:latin typeface="-apple-system"/>
+              </a:rPr>
+              <a:t>，當</a:t>
+            </a:r>
+            <a:r>
+              <a:rPr lang="en-US" altLang="zh-TW" b="0" i="0" dirty="0">
+                <a:solidFill>
+                  <a:srgbClr val="000000"/>
+                </a:solidFill>
+                <a:effectLst/>
+                <a:latin typeface="-apple-system"/>
+              </a:rPr>
+              <a:t>IO</a:t>
+            </a:r>
+            <a:r>
+              <a:rPr lang="zh-TW" altLang="en-US" b="0" i="0" dirty="0">
+                <a:solidFill>
+                  <a:srgbClr val="000000"/>
+                </a:solidFill>
+                <a:effectLst/>
+                <a:latin typeface="-apple-system"/>
+              </a:rPr>
+              <a:t>為</a:t>
+            </a:r>
+            <a:r>
+              <a:rPr lang="en-US" altLang="zh-TW" b="0" i="0" dirty="0">
+                <a:solidFill>
+                  <a:srgbClr val="000000"/>
+                </a:solidFill>
+                <a:effectLst/>
+                <a:latin typeface="-apple-system"/>
+              </a:rPr>
+              <a:t>”0”</a:t>
+            </a:r>
+            <a:r>
+              <a:rPr lang="zh-TW" altLang="en-US" b="0" i="0" dirty="0">
+                <a:solidFill>
+                  <a:srgbClr val="000000"/>
+                </a:solidFill>
+                <a:effectLst/>
+                <a:latin typeface="-apple-system"/>
+              </a:rPr>
+              <a:t>時，</a:t>
+            </a:r>
+            <a:r>
+              <a:rPr lang="en-US" altLang="zh-TW" b="0" i="0" dirty="0">
+                <a:solidFill>
+                  <a:srgbClr val="000000"/>
+                </a:solidFill>
+                <a:effectLst/>
+                <a:latin typeface="-apple-system"/>
+              </a:rPr>
+              <a:t>LED</a:t>
+            </a:r>
+            <a:r>
+              <a:rPr lang="zh-TW" altLang="en-US" b="0" i="0" dirty="0">
+                <a:solidFill>
+                  <a:srgbClr val="000000"/>
+                </a:solidFill>
+                <a:effectLst/>
+                <a:latin typeface="-apple-system"/>
+              </a:rPr>
+              <a:t>給予信號</a:t>
             </a:r>
             <a:r>
               <a:rPr lang="en-US" altLang="zh-TW" dirty="0">
@@ -4758,49 +4922,65 @@
                 </a:solidFill>
                 <a:latin typeface="-apple-system"/>
               </a:rPr>
+              <a:t> “10000000”</a:t>
+            </a:r>
+            <a:r>
+              <a:rPr lang="zh-TW" altLang="en-US" b="0" i="0" dirty="0">
+                <a:solidFill>
+                  <a:srgbClr val="000000"/>
+                </a:solidFill>
+                <a:effectLst/>
+                <a:latin typeface="-apple-system"/>
+              </a:rPr>
+              <a:t>，代表發球的板子</a:t>
+            </a:r>
+            <a:r>
+              <a:rPr lang="en-US" altLang="zh-TW" b="0" i="0" dirty="0">
+                <a:solidFill>
+                  <a:srgbClr val="000000"/>
+                </a:solidFill>
+                <a:effectLst/>
+                <a:latin typeface="-apple-system"/>
+              </a:rPr>
               <a:t>LED</a:t>
             </a:r>
             <a:r>
-              <a:rPr lang="zh-TW" altLang="en-US" dirty="0">
+              <a:rPr lang="zh-TW" altLang="en-US" b="0" i="0" dirty="0">
                 <a:solidFill>
                   <a:srgbClr val="000000"/>
                 </a:solidFill>
-                <a:latin typeface="-apple-system"/>
-              </a:rPr>
-              <a:t>來決定是否要給</a:t>
-            </a:r>
-            <a:r>
-              <a:rPr lang="en-US" altLang="zh-TW" dirty="0">
+                <a:effectLst/>
+                <a:latin typeface="-apple-system"/>
+              </a:rPr>
+              <a:t>已經到底，換接球的板子顯示</a:t>
+            </a:r>
+            <a:r>
+              <a:rPr lang="en-US" altLang="zh-TW" b="0" i="0" dirty="0">
                 <a:solidFill>
                   <a:srgbClr val="000000"/>
                 </a:solidFill>
-                <a:latin typeface="-apple-system"/>
-              </a:rPr>
-              <a:t>IO</a:t>
-            </a:r>
-            <a:r>
-              <a:rPr lang="zh-TW" altLang="en-US" dirty="0">
+                <a:effectLst/>
+                <a:latin typeface="-apple-system"/>
+              </a:rPr>
+              <a:t>LED</a:t>
+            </a:r>
+            <a:r>
+              <a:rPr lang="zh-TW" altLang="en-US" b="0" i="0" dirty="0">
                 <a:solidFill>
                   <a:srgbClr val="000000"/>
                 </a:solidFill>
-                <a:latin typeface="-apple-system"/>
-              </a:rPr>
-              <a:t>訊號</a:t>
-            </a:r>
-            <a:endParaRPr lang="zh-TW" altLang="en-US" b="0" i="0" dirty="0">
-              <a:solidFill>
-                <a:srgbClr val="000000"/>
-              </a:solidFill>
-              <a:effectLst/>
-              <a:latin typeface="-apple-system"/>
-            </a:endParaRPr>
+                <a:effectLst/>
+                <a:latin typeface="-apple-system"/>
+              </a:rPr>
+              <a:t>。</a:t>
+            </a:r>
           </a:p>
         </p:txBody>
       </p:sp>
     </p:spTree>
     <p:extLst>
       <p:ext uri="{BB962C8B-B14F-4D97-AF65-F5344CB8AC3E}">
-        <p14:creationId xmlns:p14="http://schemas.microsoft.com/office/powerpoint/2010/main" val="1912160672"/>
+        <p14:creationId xmlns:p14="http://schemas.microsoft.com/office/powerpoint/2010/main" val="3178300421"/>
       </p:ext>
     </p:extLst>
   </p:cSld>

--- a/HW7/HW7_pingpong_connect.pptx
+++ b/HW7/HW7_pingpong_connect.pptx
@@ -4806,7 +4806,7 @@
         </p:nvSpPr>
         <p:spPr>
           <a:xfrm>
-            <a:off x="6095999" y="1832506"/>
+            <a:off x="6096000" y="1744583"/>
             <a:ext cx="4220163" cy="1210011"/>
           </a:xfrm>
           <a:prstGeom prst="rect">
